--- a/figures/website_icons.pptx
+++ b/figures/website_icons.pptx
@@ -104,6 +104,11 @@
       </a:defRPr>
     </a:lvl9pPr>
   </p:defaultTextStyle>
+  <p:extLst>
+    <p:ext uri="{EFAFB233-063F-42B5-8137-9DF3F51BA10A}">
+      <p15:sldGuideLst xmlns:p15="http://schemas.microsoft.com/office/powerpoint/2012/main"/>
+    </p:ext>
+  </p:extLst>
 </p:presentation>
 </file>
 
@@ -3611,10 +3616,10 @@
       </p:grpSpPr>
       <p:sp>
         <p:nvSpPr>
-          <p:cNvPr id="6" name="四角形: 角を丸くする 5">
-            <a:extLst>
-              <a:ext uri="{FF2B5EF4-FFF2-40B4-BE49-F238E27FC236}">
-                <a16:creationId xmlns:a16="http://schemas.microsoft.com/office/drawing/2014/main" id="{812C4A03-7ACB-7A83-EFFB-3858FDA688DD}"/>
+          <p:cNvPr id="5" name="四角形: 角を丸くする 4">
+            <a:extLst>
+              <a:ext uri="{FF2B5EF4-FFF2-40B4-BE49-F238E27FC236}">
+                <a16:creationId xmlns:a16="http://schemas.microsoft.com/office/drawing/2014/main" id="{D3F754D1-DE7C-54F1-AE0C-5CEFF0FDDDD4}"/>
               </a:ext>
             </a:extLst>
           </p:cNvPr>
@@ -3623,8 +3628,8 @@
         </p:nvSpPr>
         <p:spPr>
           <a:xfrm>
-            <a:off x="1038326" y="1007346"/>
-            <a:ext cx="2850385" cy="924448"/>
+            <a:off x="7229059" y="2504551"/>
+            <a:ext cx="3445567" cy="1053657"/>
           </a:xfrm>
           <a:prstGeom prst="roundRect">
             <a:avLst/>
@@ -3634,7 +3639,7 @@
           </a:solidFill>
           <a:ln w="76200">
             <a:solidFill>
-              <a:srgbClr val="C00000"/>
+              <a:srgbClr val="AE3D4B"/>
             </a:solidFill>
           </a:ln>
         </p:spPr>
@@ -3669,17 +3674,17 @@
                 <a:ea typeface="HGSｺﾞｼｯｸM" panose="020B0600000000000000" pitchFamily="50" charset="-128"/>
                 <a:cs typeface="Cascadia Mono SemiBold" panose="020B0609020000020004" pitchFamily="49" charset="0"/>
               </a:rPr>
-              <a:t>トップ</a:t>
-            </a:r>
-          </a:p>
-        </p:txBody>
-      </p:sp>
-      <p:sp>
-        <p:nvSpPr>
-          <p:cNvPr id="7" name="四角形: 角を丸くする 6">
-            <a:extLst>
-              <a:ext uri="{FF2B5EF4-FFF2-40B4-BE49-F238E27FC236}">
-                <a16:creationId xmlns:a16="http://schemas.microsoft.com/office/drawing/2014/main" id="{CC3C4909-3DBE-8099-C42D-FF5C6EB7C520}"/>
+              <a:t>コンタクト</a:t>
+            </a:r>
+          </a:p>
+        </p:txBody>
+      </p:sp>
+      <p:sp>
+        <p:nvSpPr>
+          <p:cNvPr id="6" name="四角形: 角を丸くする 5">
+            <a:extLst>
+              <a:ext uri="{FF2B5EF4-FFF2-40B4-BE49-F238E27FC236}">
+                <a16:creationId xmlns:a16="http://schemas.microsoft.com/office/drawing/2014/main" id="{5BB52B5F-D80E-CD2E-A3CA-A83A6E6DBC23}"/>
               </a:ext>
             </a:extLst>
           </p:cNvPr>
@@ -3688,8 +3693,8 @@
         </p:nvSpPr>
         <p:spPr>
           <a:xfrm>
-            <a:off x="1038326" y="2952122"/>
-            <a:ext cx="2850385" cy="924448"/>
+            <a:off x="7229057" y="781714"/>
+            <a:ext cx="3445567" cy="1053657"/>
           </a:xfrm>
           <a:prstGeom prst="roundRect">
             <a:avLst/>
@@ -3699,7 +3704,7 @@
           </a:solidFill>
           <a:ln w="76200">
             <a:solidFill>
-              <a:srgbClr val="C00000"/>
+              <a:srgbClr val="AE3D4B"/>
             </a:solidFill>
           </a:ln>
         </p:spPr>
@@ -3734,7 +3739,7 @@
                 <a:ea typeface="HGSｺﾞｼｯｸM" panose="020B0600000000000000" pitchFamily="50" charset="-128"/>
                 <a:cs typeface="Cascadia Mono SemiBold" panose="020B0609020000020004" pitchFamily="49" charset="0"/>
               </a:rPr>
-              <a:t>経歴</a:t>
+              <a:t>作品一覧</a:t>
             </a:r>
           </a:p>
         </p:txBody>
@@ -3744,7 +3749,7 @@
           <p:cNvPr id="8" name="四角形: 角を丸くする 7">
             <a:extLst>
               <a:ext uri="{FF2B5EF4-FFF2-40B4-BE49-F238E27FC236}">
-                <a16:creationId xmlns:a16="http://schemas.microsoft.com/office/drawing/2014/main" id="{5890633C-6B14-5152-A41F-244486E97243}"/>
+                <a16:creationId xmlns:a16="http://schemas.microsoft.com/office/drawing/2014/main" id="{42E6D1D4-8E98-D7F2-8C02-C398A72EEFA4}"/>
               </a:ext>
             </a:extLst>
           </p:cNvPr>
@@ -3753,8 +3758,8 @@
         </p:nvSpPr>
         <p:spPr>
           <a:xfrm>
-            <a:off x="1038326" y="4896898"/>
-            <a:ext cx="2850385" cy="924448"/>
+            <a:off x="1189381" y="4730916"/>
+            <a:ext cx="3445567" cy="1053657"/>
           </a:xfrm>
           <a:prstGeom prst="roundRect">
             <a:avLst/>
@@ -3764,7 +3769,7 @@
           </a:solidFill>
           <a:ln w="76200">
             <a:solidFill>
-              <a:srgbClr val="C00000"/>
+              <a:srgbClr val="AE3D4B"/>
             </a:solidFill>
           </a:ln>
         </p:spPr>
@@ -3809,7 +3814,7 @@
           <p:cNvPr id="9" name="四角形: 角を丸くする 8">
             <a:extLst>
               <a:ext uri="{FF2B5EF4-FFF2-40B4-BE49-F238E27FC236}">
-                <a16:creationId xmlns:a16="http://schemas.microsoft.com/office/drawing/2014/main" id="{9FC32BB1-DB6D-DB95-9936-5D58E10D7CE3}"/>
+                <a16:creationId xmlns:a16="http://schemas.microsoft.com/office/drawing/2014/main" id="{457D557A-0D90-A0CA-693B-5E3A02C81CFD}"/>
               </a:ext>
             </a:extLst>
           </p:cNvPr>
@@ -3818,8 +3823,8 @@
         </p:nvSpPr>
         <p:spPr>
           <a:xfrm>
-            <a:off x="8392046" y="4896898"/>
-            <a:ext cx="2850385" cy="924448"/>
+            <a:off x="1212574" y="2736464"/>
+            <a:ext cx="3445567" cy="1053657"/>
           </a:xfrm>
           <a:prstGeom prst="roundRect">
             <a:avLst/>
@@ -3829,7 +3834,7 @@
           </a:solidFill>
           <a:ln w="76200">
             <a:solidFill>
-              <a:srgbClr val="C00000"/>
+              <a:srgbClr val="AE3D4B"/>
             </a:solidFill>
           </a:ln>
         </p:spPr>
@@ -3864,17 +3869,17 @@
                 <a:ea typeface="HGSｺﾞｼｯｸM" panose="020B0600000000000000" pitchFamily="50" charset="-128"/>
                 <a:cs typeface="Cascadia Mono SemiBold" panose="020B0609020000020004" pitchFamily="49" charset="0"/>
               </a:rPr>
-              <a:t>リンク</a:t>
-            </a:r>
-          </a:p>
-        </p:txBody>
-      </p:sp>
-      <p:sp>
-        <p:nvSpPr>
-          <p:cNvPr id="10" name="四角形: 角を丸くする 9">
-            <a:extLst>
-              <a:ext uri="{FF2B5EF4-FFF2-40B4-BE49-F238E27FC236}">
-                <a16:creationId xmlns:a16="http://schemas.microsoft.com/office/drawing/2014/main" id="{DDC4A467-08D3-E998-AAE8-EC1AC3B3E19F}"/>
+              <a:t>経歴</a:t>
+            </a:r>
+          </a:p>
+        </p:txBody>
+      </p:sp>
+      <p:sp>
+        <p:nvSpPr>
+          <p:cNvPr id="11" name="四角形: 角を丸くする 10">
+            <a:extLst>
+              <a:ext uri="{FF2B5EF4-FFF2-40B4-BE49-F238E27FC236}">
+                <a16:creationId xmlns:a16="http://schemas.microsoft.com/office/drawing/2014/main" id="{8CC9991E-157B-D2EB-EAA8-BAFE71F76FBE}"/>
               </a:ext>
             </a:extLst>
           </p:cNvPr>
@@ -3883,8 +3888,8 @@
         </p:nvSpPr>
         <p:spPr>
           <a:xfrm>
-            <a:off x="8392046" y="2966776"/>
-            <a:ext cx="2850385" cy="924448"/>
+            <a:off x="1142998" y="742012"/>
+            <a:ext cx="3445567" cy="1053657"/>
           </a:xfrm>
           <a:prstGeom prst="roundRect">
             <a:avLst/>
@@ -3894,7 +3899,7 @@
           </a:solidFill>
           <a:ln w="76200">
             <a:solidFill>
-              <a:srgbClr val="C00000"/>
+              <a:srgbClr val="AE3D4B"/>
             </a:solidFill>
           </a:ln>
         </p:spPr>
@@ -3924,22 +3929,27 @@
               </a:lnSpc>
             </a:pPr>
             <a:r>
-              <a:rPr kumimoji="1" lang="ja-JP" altLang="en-US" sz="4000" b="1" dirty="0">
+              <a:rPr lang="ja-JP" altLang="en-US" sz="4000" b="1" dirty="0">
                 <a:latin typeface="HGSｺﾞｼｯｸM" panose="020B0600000000000000" pitchFamily="50" charset="-128"/>
                 <a:ea typeface="HGSｺﾞｼｯｸM" panose="020B0600000000000000" pitchFamily="50" charset="-128"/>
                 <a:cs typeface="Cascadia Mono SemiBold" panose="020B0609020000020004" pitchFamily="49" charset="0"/>
               </a:rPr>
-              <a:t>コンタクト</a:t>
-            </a:r>
-          </a:p>
-        </p:txBody>
-      </p:sp>
-      <p:sp>
-        <p:nvSpPr>
-          <p:cNvPr id="11" name="四角形: 角を丸くする 10">
-            <a:extLst>
-              <a:ext uri="{FF2B5EF4-FFF2-40B4-BE49-F238E27FC236}">
-                <a16:creationId xmlns:a16="http://schemas.microsoft.com/office/drawing/2014/main" id="{BF3A9B01-D06E-F76C-BA6B-C04AB68AC9AB}"/>
+              <a:t>トップ</a:t>
+            </a:r>
+            <a:endParaRPr kumimoji="1" lang="ja-JP" altLang="en-US" sz="4000" b="1" dirty="0">
+              <a:latin typeface="HGSｺﾞｼｯｸM" panose="020B0600000000000000" pitchFamily="50" charset="-128"/>
+              <a:ea typeface="HGSｺﾞｼｯｸM" panose="020B0600000000000000" pitchFamily="50" charset="-128"/>
+              <a:cs typeface="Cascadia Mono SemiBold" panose="020B0609020000020004" pitchFamily="49" charset="0"/>
+            </a:endParaRPr>
+          </a:p>
+        </p:txBody>
+      </p:sp>
+      <p:sp>
+        <p:nvSpPr>
+          <p:cNvPr id="14" name="四角形: 角を丸くする 13">
+            <a:extLst>
+              <a:ext uri="{FF2B5EF4-FFF2-40B4-BE49-F238E27FC236}">
+                <a16:creationId xmlns:a16="http://schemas.microsoft.com/office/drawing/2014/main" id="{E381D2AC-EE96-4E0F-C19E-47C33896C413}"/>
               </a:ext>
             </a:extLst>
           </p:cNvPr>
@@ -3948,8 +3958,8 @@
         </p:nvSpPr>
         <p:spPr>
           <a:xfrm>
-            <a:off x="8392046" y="1034142"/>
-            <a:ext cx="2850385" cy="924448"/>
+            <a:off x="7003772" y="4730916"/>
+            <a:ext cx="3445567" cy="1053657"/>
           </a:xfrm>
           <a:prstGeom prst="roundRect">
             <a:avLst/>
@@ -3959,7 +3969,7 @@
           </a:solidFill>
           <a:ln w="76200">
             <a:solidFill>
-              <a:srgbClr val="C00000"/>
+              <a:srgbClr val="AE3D4B"/>
             </a:solidFill>
           </a:ln>
         </p:spPr>
@@ -3994,7 +4004,7 @@
                 <a:ea typeface="HGSｺﾞｼｯｸM" panose="020B0600000000000000" pitchFamily="50" charset="-128"/>
                 <a:cs typeface="Cascadia Mono SemiBold" panose="020B0609020000020004" pitchFamily="49" charset="0"/>
               </a:rPr>
-              <a:t>作品一覧</a:t>
+              <a:t>リンク</a:t>
             </a:r>
           </a:p>
         </p:txBody>
